--- a/Monitoring/Prometheus-Grafana.pptx
+++ b/Monitoring/Prometheus-Grafana.pptx
@@ -5,7 +5,7 @@
     <p:sldMasterId id="2147483659" r:id="rId1"/>
   </p:sldMasterIdLst>
   <p:notesMasterIdLst>
-    <p:notesMasterId r:id="rId13"/>
+    <p:notesMasterId r:id="rId15"/>
   </p:notesMasterIdLst>
   <p:sldIdLst>
     <p:sldId id="256" r:id="rId2"/>
@@ -19,15 +19,17 @@
     <p:sldId id="351" r:id="rId10"/>
     <p:sldId id="350" r:id="rId11"/>
     <p:sldId id="352" r:id="rId12"/>
+    <p:sldId id="353" r:id="rId13"/>
+    <p:sldId id="354" r:id="rId14"/>
   </p:sldIdLst>
   <p:sldSz cx="9144000" cy="5143500" type="screen16x9"/>
   <p:notesSz cx="6858000" cy="9144000"/>
   <p:embeddedFontLst>
     <p:embeddedFont>
       <p:font typeface="Old Standard TT" panose="020B0604020202020204" charset="0"/>
-      <p:regular r:id="rId14"/>
-      <p:bold r:id="rId15"/>
-      <p:italic r:id="rId16"/>
+      <p:regular r:id="rId16"/>
+      <p:bold r:id="rId17"/>
+      <p:italic r:id="rId18"/>
     </p:embeddedFont>
   </p:embeddedFontLst>
   <p:defaultTextStyle>
@@ -1068,6 +1070,260 @@
     <p:extLst>
       <p:ext uri="{BB962C8B-B14F-4D97-AF65-F5344CB8AC3E}">
         <p14:creationId xmlns:p14="http://schemas.microsoft.com/office/powerpoint/2010/main" val="3677545486"/>
+      </p:ext>
+    </p:extLst>
+  </p:cSld>
+  <p:clrMapOvr>
+    <a:masterClrMapping/>
+  </p:clrMapOvr>
+</p:notes>
+</file>
+
+<file path=ppt/notesSlides/notesSlide12.xml><?xml version="1.0" encoding="utf-8"?>
+<p:notes xmlns:a="http://schemas.openxmlformats.org/drawingml/2006/main" xmlns:r="http://schemas.openxmlformats.org/officeDocument/2006/relationships" xmlns:p="http://schemas.openxmlformats.org/presentationml/2006/main" showMasterSp="0" showMasterPhAnim="0">
+  <p:cSld>
+    <p:spTree>
+      <p:nvGrpSpPr>
+        <p:cNvPr id="1" name="Shape 330">
+          <a:extLst>
+            <a:ext uri="{FF2B5EF4-FFF2-40B4-BE49-F238E27FC236}">
+              <a16:creationId xmlns:a16="http://schemas.microsoft.com/office/drawing/2014/main" id="{CFE35FF5-970A-C3A1-BD51-9B882886EB12}"/>
+            </a:ext>
+          </a:extLst>
+        </p:cNvPr>
+        <p:cNvGrpSpPr/>
+        <p:nvPr/>
+      </p:nvGrpSpPr>
+      <p:grpSpPr>
+        <a:xfrm>
+          <a:off x="0" y="0"/>
+          <a:ext cx="0" cy="0"/>
+          <a:chOff x="0" y="0"/>
+          <a:chExt cx="0" cy="0"/>
+        </a:xfrm>
+      </p:grpSpPr>
+      <p:sp>
+        <p:nvSpPr>
+          <p:cNvPr id="331" name="Google Shape;331;g31ad97d778f_0_162:notes">
+            <a:extLst>
+              <a:ext uri="{FF2B5EF4-FFF2-40B4-BE49-F238E27FC236}">
+                <a16:creationId xmlns:a16="http://schemas.microsoft.com/office/drawing/2014/main" id="{0258345E-327E-70F9-5DEB-B9C45754BC13}"/>
+              </a:ext>
+            </a:extLst>
+          </p:cNvPr>
+          <p:cNvSpPr>
+            <a:spLocks noGrp="1" noRot="1" noChangeAspect="1"/>
+          </p:cNvSpPr>
+          <p:nvPr>
+            <p:ph type="sldImg" idx="2"/>
+          </p:nvPr>
+        </p:nvSpPr>
+        <p:spPr>
+          <a:xfrm>
+            <a:off x="381000" y="685800"/>
+            <a:ext cx="6096000" cy="3429000"/>
+          </a:xfrm>
+          <a:custGeom>
+            <a:avLst/>
+            <a:gdLst/>
+            <a:ahLst/>
+            <a:cxnLst/>
+            <a:rect l="l" t="t" r="r" b="b"/>
+            <a:pathLst>
+              <a:path w="120000" h="120000" extrusionOk="0">
+                <a:moveTo>
+                  <a:pt x="0" y="0"/>
+                </a:moveTo>
+                <a:lnTo>
+                  <a:pt x="120000" y="0"/>
+                </a:lnTo>
+                <a:lnTo>
+                  <a:pt x="120000" y="120000"/>
+                </a:lnTo>
+                <a:lnTo>
+                  <a:pt x="0" y="120000"/>
+                </a:lnTo>
+                <a:close/>
+              </a:path>
+            </a:pathLst>
+          </a:custGeom>
+        </p:spPr>
+      </p:sp>
+      <p:sp>
+        <p:nvSpPr>
+          <p:cNvPr id="332" name="Google Shape;332;g31ad97d778f_0_162:notes">
+            <a:extLst>
+              <a:ext uri="{FF2B5EF4-FFF2-40B4-BE49-F238E27FC236}">
+                <a16:creationId xmlns:a16="http://schemas.microsoft.com/office/drawing/2014/main" id="{03C82DD8-C9F6-92D9-785A-E5DC5FDB8F15}"/>
+              </a:ext>
+            </a:extLst>
+          </p:cNvPr>
+          <p:cNvSpPr txBox="1">
+            <a:spLocks noGrp="1"/>
+          </p:cNvSpPr>
+          <p:nvPr>
+            <p:ph type="body" idx="1"/>
+          </p:nvPr>
+        </p:nvSpPr>
+        <p:spPr>
+          <a:xfrm>
+            <a:off x="685800" y="4343400"/>
+            <a:ext cx="5486400" cy="4114800"/>
+          </a:xfrm>
+          <a:prstGeom prst="rect">
+            <a:avLst/>
+          </a:prstGeom>
+        </p:spPr>
+        <p:txBody>
+          <a:bodyPr spcFirstLastPara="1" wrap="square" lIns="91425" tIns="91425" rIns="91425" bIns="91425" anchor="t" anchorCtr="0">
+            <a:noAutofit/>
+          </a:bodyPr>
+          <a:lstStyle/>
+          <a:p>
+            <a:pPr marL="0" lvl="0" indent="0" algn="l" rtl="0">
+              <a:spcBef>
+                <a:spcPts val="0"/>
+              </a:spcBef>
+              <a:spcAft>
+                <a:spcPts val="0"/>
+              </a:spcAft>
+              <a:buNone/>
+            </a:pPr>
+            <a:endParaRPr/>
+          </a:p>
+        </p:txBody>
+      </p:sp>
+    </p:spTree>
+    <p:extLst>
+      <p:ext uri="{BB962C8B-B14F-4D97-AF65-F5344CB8AC3E}">
+        <p14:creationId xmlns:p14="http://schemas.microsoft.com/office/powerpoint/2010/main" val="87513647"/>
+      </p:ext>
+    </p:extLst>
+  </p:cSld>
+  <p:clrMapOvr>
+    <a:masterClrMapping/>
+  </p:clrMapOvr>
+</p:notes>
+</file>
+
+<file path=ppt/notesSlides/notesSlide13.xml><?xml version="1.0" encoding="utf-8"?>
+<p:notes xmlns:a="http://schemas.openxmlformats.org/drawingml/2006/main" xmlns:r="http://schemas.openxmlformats.org/officeDocument/2006/relationships" xmlns:p="http://schemas.openxmlformats.org/presentationml/2006/main" showMasterSp="0" showMasterPhAnim="0">
+  <p:cSld>
+    <p:spTree>
+      <p:nvGrpSpPr>
+        <p:cNvPr id="1" name="Shape 330">
+          <a:extLst>
+            <a:ext uri="{FF2B5EF4-FFF2-40B4-BE49-F238E27FC236}">
+              <a16:creationId xmlns:a16="http://schemas.microsoft.com/office/drawing/2014/main" id="{814B7289-35CE-BE1D-BDD1-3BBB43560840}"/>
+            </a:ext>
+          </a:extLst>
+        </p:cNvPr>
+        <p:cNvGrpSpPr/>
+        <p:nvPr/>
+      </p:nvGrpSpPr>
+      <p:grpSpPr>
+        <a:xfrm>
+          <a:off x="0" y="0"/>
+          <a:ext cx="0" cy="0"/>
+          <a:chOff x="0" y="0"/>
+          <a:chExt cx="0" cy="0"/>
+        </a:xfrm>
+      </p:grpSpPr>
+      <p:sp>
+        <p:nvSpPr>
+          <p:cNvPr id="331" name="Google Shape;331;g31ad97d778f_0_162:notes">
+            <a:extLst>
+              <a:ext uri="{FF2B5EF4-FFF2-40B4-BE49-F238E27FC236}">
+                <a16:creationId xmlns:a16="http://schemas.microsoft.com/office/drawing/2014/main" id="{1DDF405D-A03B-EE58-383D-3BF7264B741C}"/>
+              </a:ext>
+            </a:extLst>
+          </p:cNvPr>
+          <p:cNvSpPr>
+            <a:spLocks noGrp="1" noRot="1" noChangeAspect="1"/>
+          </p:cNvSpPr>
+          <p:nvPr>
+            <p:ph type="sldImg" idx="2"/>
+          </p:nvPr>
+        </p:nvSpPr>
+        <p:spPr>
+          <a:xfrm>
+            <a:off x="381000" y="685800"/>
+            <a:ext cx="6096000" cy="3429000"/>
+          </a:xfrm>
+          <a:custGeom>
+            <a:avLst/>
+            <a:gdLst/>
+            <a:ahLst/>
+            <a:cxnLst/>
+            <a:rect l="l" t="t" r="r" b="b"/>
+            <a:pathLst>
+              <a:path w="120000" h="120000" extrusionOk="0">
+                <a:moveTo>
+                  <a:pt x="0" y="0"/>
+                </a:moveTo>
+                <a:lnTo>
+                  <a:pt x="120000" y="0"/>
+                </a:lnTo>
+                <a:lnTo>
+                  <a:pt x="120000" y="120000"/>
+                </a:lnTo>
+                <a:lnTo>
+                  <a:pt x="0" y="120000"/>
+                </a:lnTo>
+                <a:close/>
+              </a:path>
+            </a:pathLst>
+          </a:custGeom>
+        </p:spPr>
+      </p:sp>
+      <p:sp>
+        <p:nvSpPr>
+          <p:cNvPr id="332" name="Google Shape;332;g31ad97d778f_0_162:notes">
+            <a:extLst>
+              <a:ext uri="{FF2B5EF4-FFF2-40B4-BE49-F238E27FC236}">
+                <a16:creationId xmlns:a16="http://schemas.microsoft.com/office/drawing/2014/main" id="{62B14F1E-514B-4BC9-3C5D-48CC07D68FC3}"/>
+              </a:ext>
+            </a:extLst>
+          </p:cNvPr>
+          <p:cNvSpPr txBox="1">
+            <a:spLocks noGrp="1"/>
+          </p:cNvSpPr>
+          <p:nvPr>
+            <p:ph type="body" idx="1"/>
+          </p:nvPr>
+        </p:nvSpPr>
+        <p:spPr>
+          <a:xfrm>
+            <a:off x="685800" y="4343400"/>
+            <a:ext cx="5486400" cy="4114800"/>
+          </a:xfrm>
+          <a:prstGeom prst="rect">
+            <a:avLst/>
+          </a:prstGeom>
+        </p:spPr>
+        <p:txBody>
+          <a:bodyPr spcFirstLastPara="1" wrap="square" lIns="91425" tIns="91425" rIns="91425" bIns="91425" anchor="t" anchorCtr="0">
+            <a:noAutofit/>
+          </a:bodyPr>
+          <a:lstStyle/>
+          <a:p>
+            <a:pPr marL="0" lvl="0" indent="0" algn="l" rtl="0">
+              <a:spcBef>
+                <a:spcPts val="0"/>
+              </a:spcBef>
+              <a:spcAft>
+                <a:spcPts val="0"/>
+              </a:spcAft>
+              <a:buNone/>
+            </a:pPr>
+            <a:endParaRPr/>
+          </a:p>
+        </p:txBody>
+      </p:sp>
+    </p:spTree>
+    <p:extLst>
+      <p:ext uri="{BB962C8B-B14F-4D97-AF65-F5344CB8AC3E}">
+        <p14:creationId xmlns:p14="http://schemas.microsoft.com/office/powerpoint/2010/main" val="844574258"/>
       </p:ext>
     </p:extLst>
   </p:cSld>
@@ -7797,7 +8053,7 @@
         <p:spPr>
           <a:xfrm>
             <a:off x="311700" y="910418"/>
-            <a:ext cx="8293457" cy="3775882"/>
+            <a:ext cx="8293457" cy="4069796"/>
           </a:xfrm>
           <a:prstGeom prst="rect">
             <a:avLst/>
@@ -8068,12 +8324,17 @@
                 <a:latin typeface="Arial"/>
                 <a:cs typeface="Arial"/>
               </a:rPr>
-              <a:t>14205; Kubernetes Pod Monitoring - 162</a:t>
-            </a:r>
-            <a:endParaRPr lang="en-US" sz="1000" dirty="0">
-              <a:latin typeface="Arial"/>
-              <a:cs typeface="Arial"/>
-            </a:endParaRPr>
+              <a:t>14205</a:t>
+            </a:r>
+          </a:p>
+          <a:p>
+            <a:r>
+              <a:rPr lang="en-US" sz="1000" dirty="0">
+                <a:latin typeface="Arial"/>
+                <a:cs typeface="Arial"/>
+              </a:rPr>
+              <a:t>https://grafana.com/grafana/dashboards/13332-kube-state-metrics-v2/</a:t>
+            </a:r>
           </a:p>
         </p:txBody>
       </p:sp>
@@ -8585,6 +8846,920 @@
 </p:sld>
 </file>
 
+<file path=ppt/slides/slide12.xml><?xml version="1.0" encoding="utf-8"?>
+<p:sld xmlns:a="http://schemas.openxmlformats.org/drawingml/2006/main" xmlns:r="http://schemas.openxmlformats.org/officeDocument/2006/relationships" xmlns:p="http://schemas.openxmlformats.org/presentationml/2006/main">
+  <p:cSld>
+    <p:spTree>
+      <p:nvGrpSpPr>
+        <p:cNvPr id="1" name="Shape 333">
+          <a:extLst>
+            <a:ext uri="{FF2B5EF4-FFF2-40B4-BE49-F238E27FC236}">
+              <a16:creationId xmlns:a16="http://schemas.microsoft.com/office/drawing/2014/main" id="{DF5999C5-0D07-C5B9-2091-DE631623CE8B}"/>
+            </a:ext>
+          </a:extLst>
+        </p:cNvPr>
+        <p:cNvGrpSpPr/>
+        <p:nvPr/>
+      </p:nvGrpSpPr>
+      <p:grpSpPr>
+        <a:xfrm>
+          <a:off x="0" y="0"/>
+          <a:ext cx="0" cy="0"/>
+          <a:chOff x="0" y="0"/>
+          <a:chExt cx="0" cy="0"/>
+        </a:xfrm>
+      </p:grpSpPr>
+      <p:sp>
+        <p:nvSpPr>
+          <p:cNvPr id="334" name="Google Shape;334;p58">
+            <a:extLst>
+              <a:ext uri="{FF2B5EF4-FFF2-40B4-BE49-F238E27FC236}">
+                <a16:creationId xmlns:a16="http://schemas.microsoft.com/office/drawing/2014/main" id="{3173C5D4-C8E6-39A3-B912-0924A627D972}"/>
+              </a:ext>
+            </a:extLst>
+          </p:cNvPr>
+          <p:cNvSpPr txBox="1">
+            <a:spLocks noGrp="1"/>
+          </p:cNvSpPr>
+          <p:nvPr>
+            <p:ph type="title"/>
+          </p:nvPr>
+        </p:nvSpPr>
+        <p:spPr>
+          <a:xfrm>
+            <a:off x="311700" y="228600"/>
+            <a:ext cx="8520600" cy="613200"/>
+          </a:xfrm>
+          <a:prstGeom prst="rect">
+            <a:avLst/>
+          </a:prstGeom>
+        </p:spPr>
+        <p:txBody>
+          <a:bodyPr spcFirstLastPara="1" wrap="square" lIns="91425" tIns="91425" rIns="91425" bIns="91425" anchor="t" anchorCtr="0">
+            <a:noAutofit/>
+          </a:bodyPr>
+          <a:lstStyle/>
+          <a:p>
+            <a:r>
+              <a:rPr lang="en-US" dirty="0"/>
+              <a:t>Configure alerts in Grafana</a:t>
+            </a:r>
+            <a:endParaRPr lang="en-IN" dirty="0"/>
+          </a:p>
+        </p:txBody>
+      </p:sp>
+      <p:sp>
+        <p:nvSpPr>
+          <p:cNvPr id="335" name="Google Shape;335;p58">
+            <a:extLst>
+              <a:ext uri="{FF2B5EF4-FFF2-40B4-BE49-F238E27FC236}">
+                <a16:creationId xmlns:a16="http://schemas.microsoft.com/office/drawing/2014/main" id="{D8B89246-C896-F309-19C7-BBB2E08C8A8B}"/>
+              </a:ext>
+            </a:extLst>
+          </p:cNvPr>
+          <p:cNvSpPr txBox="1">
+            <a:spLocks noGrp="1"/>
+          </p:cNvSpPr>
+          <p:nvPr>
+            <p:ph type="body" idx="1"/>
+          </p:nvPr>
+        </p:nvSpPr>
+        <p:spPr>
+          <a:xfrm>
+            <a:off x="311700" y="841800"/>
+            <a:ext cx="8293457" cy="4073100"/>
+          </a:xfrm>
+          <a:prstGeom prst="rect">
+            <a:avLst/>
+          </a:prstGeom>
+        </p:spPr>
+        <p:txBody>
+          <a:bodyPr spcFirstLastPara="1" wrap="square" lIns="91425" tIns="91425" rIns="91425" bIns="91425" anchor="t" anchorCtr="0">
+            <a:noAutofit/>
+          </a:bodyPr>
+          <a:lstStyle/>
+          <a:p>
+            <a:pPr marL="139700" indent="0">
+              <a:buNone/>
+            </a:pPr>
+            <a:r>
+              <a:rPr lang="en-US" sz="1000" dirty="0">
+                <a:latin typeface="Arial"/>
+                <a:cs typeface="Arial"/>
+              </a:rPr>
+              <a:t>Installation Guide: Grafana\Installation-Guide.txt – Step 4</a:t>
+            </a:r>
+          </a:p>
+          <a:p>
+            <a:pPr marL="139700" indent="0">
+              <a:buNone/>
+            </a:pPr>
+            <a:endParaRPr lang="en-IN" sz="1000" dirty="0">
+              <a:latin typeface="Arial"/>
+              <a:cs typeface="Arial"/>
+            </a:endParaRPr>
+          </a:p>
+          <a:p>
+            <a:pPr marL="139700" indent="0">
+              <a:buNone/>
+            </a:pPr>
+            <a:r>
+              <a:rPr lang="en-IN" sz="1000" dirty="0">
+                <a:latin typeface="Arial"/>
+                <a:cs typeface="Arial"/>
+              </a:rPr>
+              <a:t>## Setting Up Email Alerts </a:t>
+            </a:r>
+            <a:br>
+              <a:rPr lang="en-IN" sz="1000" dirty="0">
+                <a:latin typeface="Arial"/>
+                <a:cs typeface="Arial"/>
+              </a:rPr>
+            </a:br>
+            <a:endParaRPr lang="en-IN" sz="1000" dirty="0">
+              <a:latin typeface="Arial"/>
+              <a:cs typeface="Arial"/>
+            </a:endParaRPr>
+          </a:p>
+          <a:p>
+            <a:pPr marL="139700" indent="0">
+              <a:buNone/>
+            </a:pPr>
+            <a:r>
+              <a:rPr lang="en-IN" sz="1000" dirty="0">
+                <a:latin typeface="Arial"/>
+                <a:cs typeface="Arial"/>
+              </a:rPr>
+              <a:t>### Create Email Contact Point</a:t>
+            </a:r>
+          </a:p>
+          <a:p>
+            <a:pPr marL="139700" indent="0">
+              <a:buNone/>
+            </a:pPr>
+            <a:endParaRPr lang="en-IN" sz="1000" dirty="0">
+              <a:latin typeface="Arial"/>
+              <a:cs typeface="Arial"/>
+            </a:endParaRPr>
+          </a:p>
+          <a:p>
+            <a:r>
+              <a:rPr lang="en-IN" sz="1000" dirty="0">
+                <a:latin typeface="Arial"/>
+                <a:cs typeface="Arial"/>
+              </a:rPr>
+              <a:t>Login to Grafana </a:t>
+            </a:r>
+          </a:p>
+          <a:p>
+            <a:r>
+              <a:rPr lang="en-IN" sz="1000" dirty="0">
+                <a:latin typeface="Arial"/>
+                <a:cs typeface="Arial"/>
+              </a:rPr>
+              <a:t>Go to “Alerting*” -&gt; “Contact points” (left sidebar)</a:t>
+            </a:r>
+          </a:p>
+          <a:p>
+            <a:r>
+              <a:rPr lang="en-IN" sz="1000" dirty="0">
+                <a:latin typeface="Arial"/>
+                <a:cs typeface="Arial"/>
+              </a:rPr>
+              <a:t>Click + New contact point</a:t>
+            </a:r>
+          </a:p>
+          <a:p>
+            <a:r>
+              <a:rPr lang="en-IN" sz="1000" dirty="0">
+                <a:latin typeface="Arial"/>
+                <a:cs typeface="Arial"/>
+              </a:rPr>
+              <a:t>Configure:</a:t>
+            </a:r>
+          </a:p>
+          <a:p>
+            <a:pPr lvl="1">
+              <a:lnSpc>
+                <a:spcPct val="100000"/>
+              </a:lnSpc>
+              <a:spcBef>
+                <a:spcPts val="0"/>
+              </a:spcBef>
+            </a:pPr>
+            <a:r>
+              <a:rPr lang="en-IN" sz="1000" dirty="0">
+                <a:latin typeface="Arial"/>
+                <a:cs typeface="Arial"/>
+              </a:rPr>
+              <a:t>Name: Email Alerts</a:t>
+            </a:r>
+          </a:p>
+          <a:p>
+            <a:pPr lvl="1">
+              <a:lnSpc>
+                <a:spcPct val="100000"/>
+              </a:lnSpc>
+              <a:spcBef>
+                <a:spcPts val="0"/>
+              </a:spcBef>
+            </a:pPr>
+            <a:r>
+              <a:rPr lang="en-IN" sz="1000" dirty="0">
+                <a:latin typeface="Arial"/>
+                <a:cs typeface="Arial"/>
+              </a:rPr>
+              <a:t>Integration: Email</a:t>
+            </a:r>
+          </a:p>
+          <a:p>
+            <a:pPr lvl="1">
+              <a:lnSpc>
+                <a:spcPct val="100000"/>
+              </a:lnSpc>
+              <a:spcBef>
+                <a:spcPts val="0"/>
+              </a:spcBef>
+            </a:pPr>
+            <a:r>
+              <a:rPr lang="en-IN" sz="1000" dirty="0">
+                <a:latin typeface="Arial"/>
+                <a:cs typeface="Arial"/>
+              </a:rPr>
+              <a:t>Addresses: admin@example.com; oncall@example.com</a:t>
+            </a:r>
+          </a:p>
+          <a:p>
+            <a:r>
+              <a:rPr lang="en-IN" sz="1000" dirty="0">
+                <a:latin typeface="Arial"/>
+                <a:cs typeface="Arial"/>
+              </a:rPr>
+              <a:t>Click “Test” to verify email works</a:t>
+            </a:r>
+          </a:p>
+          <a:p>
+            <a:r>
+              <a:rPr lang="en-IN" sz="1000" dirty="0">
+                <a:latin typeface="Arial"/>
+                <a:cs typeface="Arial"/>
+              </a:rPr>
+              <a:t>Click Save contact point</a:t>
+            </a:r>
+          </a:p>
+          <a:p>
+            <a:pPr marL="139700" indent="0">
+              <a:buNone/>
+            </a:pPr>
+            <a:endParaRPr lang="en-IN" sz="1000" dirty="0">
+              <a:latin typeface="Arial"/>
+              <a:cs typeface="Arial"/>
+            </a:endParaRPr>
+          </a:p>
+          <a:p>
+            <a:pPr marL="139700" indent="0">
+              <a:buNone/>
+            </a:pPr>
+            <a:r>
+              <a:rPr lang="en-US" sz="1000" dirty="0">
+                <a:latin typeface="Arial"/>
+                <a:cs typeface="Arial"/>
+              </a:rPr>
+              <a:t>### Configure Notification Policy</a:t>
+            </a:r>
+          </a:p>
+          <a:p>
+            <a:pPr marL="139700" indent="0">
+              <a:buNone/>
+            </a:pPr>
+            <a:endParaRPr lang="en-US" sz="1000" dirty="0">
+              <a:latin typeface="Arial"/>
+              <a:cs typeface="Arial"/>
+            </a:endParaRPr>
+          </a:p>
+          <a:p>
+            <a:r>
+              <a:rPr lang="en-US" sz="1000" dirty="0">
+                <a:latin typeface="Arial"/>
+                <a:cs typeface="Arial"/>
+              </a:rPr>
+              <a:t>Go to "Alerting" -&gt; "Notification policies"</a:t>
+            </a:r>
+          </a:p>
+          <a:p>
+            <a:r>
+              <a:rPr lang="en-US" sz="1000" dirty="0">
+                <a:latin typeface="Arial"/>
+                <a:cs typeface="Arial"/>
+              </a:rPr>
+              <a:t>Edit "Default policy"</a:t>
+            </a:r>
+          </a:p>
+          <a:p>
+            <a:r>
+              <a:rPr lang="en-US" sz="1000" dirty="0">
+                <a:latin typeface="Arial"/>
+                <a:cs typeface="Arial"/>
+              </a:rPr>
+              <a:t>Set "Default contact point" to "Email Alerts"</a:t>
+            </a:r>
+          </a:p>
+          <a:p>
+            <a:r>
+              <a:rPr lang="en-US" sz="1000" dirty="0">
+                <a:latin typeface="Arial"/>
+                <a:cs typeface="Arial"/>
+              </a:rPr>
+              <a:t>Click "Update default policy"</a:t>
+            </a:r>
+            <a:endParaRPr lang="en-IN" sz="1000" dirty="0">
+              <a:latin typeface="Arial"/>
+              <a:cs typeface="Arial"/>
+            </a:endParaRPr>
+          </a:p>
+        </p:txBody>
+      </p:sp>
+    </p:spTree>
+    <p:extLst>
+      <p:ext uri="{BB962C8B-B14F-4D97-AF65-F5344CB8AC3E}">
+        <p14:creationId xmlns:p14="http://schemas.microsoft.com/office/powerpoint/2010/main" val="4084726575"/>
+      </p:ext>
+    </p:extLst>
+  </p:cSld>
+  <p:clrMapOvr>
+    <a:masterClrMapping/>
+  </p:clrMapOvr>
+</p:sld>
+</file>
+
+<file path=ppt/slides/slide13.xml><?xml version="1.0" encoding="utf-8"?>
+<p:sld xmlns:a="http://schemas.openxmlformats.org/drawingml/2006/main" xmlns:r="http://schemas.openxmlformats.org/officeDocument/2006/relationships" xmlns:p="http://schemas.openxmlformats.org/presentationml/2006/main">
+  <p:cSld>
+    <p:spTree>
+      <p:nvGrpSpPr>
+        <p:cNvPr id="1" name="Shape 333">
+          <a:extLst>
+            <a:ext uri="{FF2B5EF4-FFF2-40B4-BE49-F238E27FC236}">
+              <a16:creationId xmlns:a16="http://schemas.microsoft.com/office/drawing/2014/main" id="{21168D02-D925-BF2C-9B5A-115C65F225CD}"/>
+            </a:ext>
+          </a:extLst>
+        </p:cNvPr>
+        <p:cNvGrpSpPr/>
+        <p:nvPr/>
+      </p:nvGrpSpPr>
+      <p:grpSpPr>
+        <a:xfrm>
+          <a:off x="0" y="0"/>
+          <a:ext cx="0" cy="0"/>
+          <a:chOff x="0" y="0"/>
+          <a:chExt cx="0" cy="0"/>
+        </a:xfrm>
+      </p:grpSpPr>
+      <p:sp>
+        <p:nvSpPr>
+          <p:cNvPr id="334" name="Google Shape;334;p58">
+            <a:extLst>
+              <a:ext uri="{FF2B5EF4-FFF2-40B4-BE49-F238E27FC236}">
+                <a16:creationId xmlns:a16="http://schemas.microsoft.com/office/drawing/2014/main" id="{7AEC2CAD-F5CF-7325-AFC9-983B4DB8E728}"/>
+              </a:ext>
+            </a:extLst>
+          </p:cNvPr>
+          <p:cNvSpPr txBox="1">
+            <a:spLocks noGrp="1"/>
+          </p:cNvSpPr>
+          <p:nvPr>
+            <p:ph type="title"/>
+          </p:nvPr>
+        </p:nvSpPr>
+        <p:spPr>
+          <a:xfrm>
+            <a:off x="311700" y="228600"/>
+            <a:ext cx="8520600" cy="613200"/>
+          </a:xfrm>
+          <a:prstGeom prst="rect">
+            <a:avLst/>
+          </a:prstGeom>
+        </p:spPr>
+        <p:txBody>
+          <a:bodyPr spcFirstLastPara="1" wrap="square" lIns="91425" tIns="91425" rIns="91425" bIns="91425" anchor="t" anchorCtr="0">
+            <a:noAutofit/>
+          </a:bodyPr>
+          <a:lstStyle/>
+          <a:p>
+            <a:r>
+              <a:rPr lang="en-US" dirty="0"/>
+              <a:t>Cont..</a:t>
+            </a:r>
+            <a:endParaRPr lang="en-IN" dirty="0"/>
+          </a:p>
+        </p:txBody>
+      </p:sp>
+      <p:sp>
+        <p:nvSpPr>
+          <p:cNvPr id="335" name="Google Shape;335;p58">
+            <a:extLst>
+              <a:ext uri="{FF2B5EF4-FFF2-40B4-BE49-F238E27FC236}">
+                <a16:creationId xmlns:a16="http://schemas.microsoft.com/office/drawing/2014/main" id="{78F847E7-60AA-871D-5777-04AF623E8A18}"/>
+              </a:ext>
+            </a:extLst>
+          </p:cNvPr>
+          <p:cNvSpPr txBox="1">
+            <a:spLocks noGrp="1"/>
+          </p:cNvSpPr>
+          <p:nvPr>
+            <p:ph type="body" idx="1"/>
+          </p:nvPr>
+        </p:nvSpPr>
+        <p:spPr>
+          <a:xfrm>
+            <a:off x="311700" y="841800"/>
+            <a:ext cx="8293457" cy="4130250"/>
+          </a:xfrm>
+          <a:prstGeom prst="rect">
+            <a:avLst/>
+          </a:prstGeom>
+        </p:spPr>
+        <p:txBody>
+          <a:bodyPr spcFirstLastPara="1" wrap="square" lIns="91425" tIns="91425" rIns="91425" bIns="91425" anchor="t" anchorCtr="0">
+            <a:noAutofit/>
+          </a:bodyPr>
+          <a:lstStyle/>
+          <a:p>
+            <a:pPr marL="139700" indent="0">
+              <a:buNone/>
+            </a:pPr>
+            <a:r>
+              <a:rPr lang="en-US" sz="1000" dirty="0">
+                <a:latin typeface="Arial"/>
+                <a:cs typeface="Arial"/>
+              </a:rPr>
+              <a:t>### Create CPU Alert Rule for Kubernetes Pods</a:t>
+            </a:r>
+          </a:p>
+          <a:p>
+            <a:r>
+              <a:rPr lang="en-US" sz="900" dirty="0">
+                <a:latin typeface="Arial"/>
+                <a:cs typeface="Arial"/>
+              </a:rPr>
+              <a:t>Go to "Alerting" -&gt; "Alert rules"</a:t>
+            </a:r>
+          </a:p>
+          <a:p>
+            <a:r>
+              <a:rPr lang="en-US" sz="900" dirty="0">
+                <a:latin typeface="Arial"/>
+                <a:cs typeface="Arial"/>
+              </a:rPr>
+              <a:t>Click + New alert rule</a:t>
+            </a:r>
+          </a:p>
+          <a:p>
+            <a:r>
+              <a:rPr lang="en-US" sz="900" dirty="0">
+                <a:latin typeface="Arial"/>
+                <a:cs typeface="Arial"/>
+              </a:rPr>
+              <a:t>Configure:</a:t>
+            </a:r>
+          </a:p>
+          <a:p>
+            <a:r>
+              <a:rPr lang="en-US" sz="900" dirty="0">
+                <a:latin typeface="Arial"/>
+                <a:cs typeface="Arial"/>
+              </a:rPr>
+              <a:t>Section 1: Rule name</a:t>
+            </a:r>
+          </a:p>
+          <a:p>
+            <a:pPr lvl="1">
+              <a:lnSpc>
+                <a:spcPct val="100000"/>
+              </a:lnSpc>
+              <a:spcBef>
+                <a:spcPts val="0"/>
+              </a:spcBef>
+              <a:buFont typeface="Courier New" panose="02070309020205020404" pitchFamily="49" charset="0"/>
+              <a:buChar char="o"/>
+            </a:pPr>
+            <a:r>
+              <a:rPr lang="en-US" sz="900" dirty="0">
+                <a:latin typeface="Arial"/>
+                <a:cs typeface="Arial"/>
+              </a:rPr>
+              <a:t>Rule name: Kubernetes Pod High CPU</a:t>
+            </a:r>
+          </a:p>
+          <a:p>
+            <a:pPr lvl="1">
+              <a:lnSpc>
+                <a:spcPct val="100000"/>
+              </a:lnSpc>
+              <a:spcBef>
+                <a:spcPts val="0"/>
+              </a:spcBef>
+              <a:buFont typeface="Courier New" panose="02070309020205020404" pitchFamily="49" charset="0"/>
+              <a:buChar char="o"/>
+            </a:pPr>
+            <a:r>
+              <a:rPr lang="en-US" sz="900" dirty="0">
+                <a:latin typeface="Arial"/>
+                <a:cs typeface="Arial"/>
+              </a:rPr>
+              <a:t>Folder: Kubernetes Alerts (create new)</a:t>
+            </a:r>
+          </a:p>
+          <a:p>
+            <a:pPr lvl="1">
+              <a:lnSpc>
+                <a:spcPct val="100000"/>
+              </a:lnSpc>
+              <a:spcBef>
+                <a:spcPts val="0"/>
+              </a:spcBef>
+              <a:buFont typeface="Courier New" panose="02070309020205020404" pitchFamily="49" charset="0"/>
+              <a:buChar char="o"/>
+            </a:pPr>
+            <a:r>
+              <a:rPr lang="en-US" sz="900" dirty="0">
+                <a:latin typeface="Arial"/>
+                <a:cs typeface="Arial"/>
+              </a:rPr>
+              <a:t>Group: Resource Monitoring (1m interval)</a:t>
+            </a:r>
+          </a:p>
+          <a:p>
+            <a:r>
+              <a:rPr lang="en-US" sz="900" dirty="0">
+                <a:latin typeface="Arial"/>
+                <a:cs typeface="Arial"/>
+              </a:rPr>
+              <a:t>Section 2: Query and Condition</a:t>
+            </a:r>
+          </a:p>
+          <a:p>
+            <a:pPr lvl="1">
+              <a:lnSpc>
+                <a:spcPct val="100000"/>
+              </a:lnSpc>
+              <a:spcBef>
+                <a:spcPts val="0"/>
+              </a:spcBef>
+              <a:buFont typeface="Courier New" panose="02070309020205020404" pitchFamily="49" charset="0"/>
+              <a:buChar char="o"/>
+            </a:pPr>
+            <a:r>
+              <a:rPr lang="en-US" sz="900" dirty="0">
+                <a:latin typeface="Arial"/>
+                <a:cs typeface="Arial"/>
+              </a:rPr>
+              <a:t>Query A (Prometheus data source):</a:t>
+            </a:r>
+          </a:p>
+          <a:p>
+            <a:pPr lvl="1">
+              <a:lnSpc>
+                <a:spcPct val="100000"/>
+              </a:lnSpc>
+              <a:spcBef>
+                <a:spcPts val="0"/>
+              </a:spcBef>
+              <a:buFont typeface="Courier New" panose="02070309020205020404" pitchFamily="49" charset="0"/>
+              <a:buChar char="o"/>
+            </a:pPr>
+            <a:r>
+              <a:rPr lang="en-US" sz="900" dirty="0">
+                <a:latin typeface="Arial"/>
+                <a:cs typeface="Arial"/>
+              </a:rPr>
+              <a:t>sum(rate(</a:t>
+            </a:r>
+            <a:r>
+              <a:rPr lang="en-US" sz="900" dirty="0" err="1">
+                <a:latin typeface="Arial"/>
+                <a:cs typeface="Arial"/>
+              </a:rPr>
+              <a:t>container_cpu_usage_seconds_total</a:t>
+            </a:r>
+            <a:r>
+              <a:rPr lang="en-US" sz="900" dirty="0">
+                <a:latin typeface="Arial"/>
+                <a:cs typeface="Arial"/>
+              </a:rPr>
+              <a:t>{container!="POD", namespace!=""}[5m])) by (pod, namespace) * 100</a:t>
+            </a:r>
+          </a:p>
+          <a:p>
+            <a:pPr lvl="1">
+              <a:lnSpc>
+                <a:spcPct val="100000"/>
+              </a:lnSpc>
+              <a:spcBef>
+                <a:spcPts val="0"/>
+              </a:spcBef>
+              <a:buFont typeface="Courier New" panose="02070309020205020404" pitchFamily="49" charset="0"/>
+              <a:buChar char="o"/>
+            </a:pPr>
+            <a:r>
+              <a:rPr lang="en-US" sz="900" dirty="0">
+                <a:latin typeface="Arial"/>
+                <a:cs typeface="Arial"/>
+              </a:rPr>
+              <a:t>Expression B (Threshold):</a:t>
+            </a:r>
+          </a:p>
+          <a:p>
+            <a:pPr lvl="1">
+              <a:lnSpc>
+                <a:spcPct val="100000"/>
+              </a:lnSpc>
+              <a:spcBef>
+                <a:spcPts val="0"/>
+              </a:spcBef>
+              <a:buFont typeface="Courier New" panose="02070309020205020404" pitchFamily="49" charset="0"/>
+              <a:buChar char="o"/>
+            </a:pPr>
+            <a:r>
+              <a:rPr lang="en-US" sz="900" dirty="0">
+                <a:latin typeface="Arial"/>
+                <a:cs typeface="Arial"/>
+              </a:rPr>
+              <a:t>Type: Threshold</a:t>
+            </a:r>
+          </a:p>
+          <a:p>
+            <a:pPr lvl="1">
+              <a:lnSpc>
+                <a:spcPct val="100000"/>
+              </a:lnSpc>
+              <a:spcBef>
+                <a:spcPts val="0"/>
+              </a:spcBef>
+              <a:buFont typeface="Courier New" panose="02070309020205020404" pitchFamily="49" charset="0"/>
+              <a:buChar char="o"/>
+            </a:pPr>
+            <a:r>
+              <a:rPr lang="en-US" sz="900" dirty="0">
+                <a:latin typeface="Arial"/>
+                <a:cs typeface="Arial"/>
+              </a:rPr>
+              <a:t>Input: A</a:t>
+            </a:r>
+          </a:p>
+          <a:p>
+            <a:pPr lvl="1">
+              <a:lnSpc>
+                <a:spcPct val="100000"/>
+              </a:lnSpc>
+              <a:spcBef>
+                <a:spcPts val="0"/>
+              </a:spcBef>
+              <a:buFont typeface="Courier New" panose="02070309020205020404" pitchFamily="49" charset="0"/>
+              <a:buChar char="o"/>
+            </a:pPr>
+            <a:r>
+              <a:rPr lang="en-US" sz="900" dirty="0">
+                <a:latin typeface="Arial"/>
+                <a:cs typeface="Arial"/>
+              </a:rPr>
+              <a:t>IS ABOVE: 80</a:t>
+            </a:r>
+          </a:p>
+          <a:p>
+            <a:r>
+              <a:rPr lang="en-US" sz="900" dirty="0">
+                <a:latin typeface="Arial"/>
+                <a:cs typeface="Arial"/>
+              </a:rPr>
+              <a:t>Section 3: Evaluation</a:t>
+            </a:r>
+          </a:p>
+          <a:p>
+            <a:pPr lvl="1">
+              <a:lnSpc>
+                <a:spcPct val="100000"/>
+              </a:lnSpc>
+              <a:spcBef>
+                <a:spcPts val="0"/>
+              </a:spcBef>
+              <a:buFont typeface="Courier New" panose="02070309020205020404" pitchFamily="49" charset="0"/>
+              <a:buChar char="o"/>
+            </a:pPr>
+            <a:r>
+              <a:rPr lang="en-US" sz="900" dirty="0">
+                <a:latin typeface="Arial"/>
+                <a:cs typeface="Arial"/>
+              </a:rPr>
+              <a:t>Pending period: 5m (Alert will fire only if CPU stays above 80% for 5 minutes)</a:t>
+            </a:r>
+          </a:p>
+          <a:p>
+            <a:r>
+              <a:rPr lang="en-US" sz="900" dirty="0">
+                <a:latin typeface="Arial"/>
+                <a:cs typeface="Arial"/>
+              </a:rPr>
+              <a:t>Section 4: Labels</a:t>
+            </a:r>
+          </a:p>
+          <a:p>
+            <a:pPr lvl="1">
+              <a:lnSpc>
+                <a:spcPct val="100000"/>
+              </a:lnSpc>
+              <a:spcBef>
+                <a:spcPts val="0"/>
+              </a:spcBef>
+              <a:buFont typeface="Courier New" panose="02070309020205020404" pitchFamily="49" charset="0"/>
+              <a:buChar char="o"/>
+            </a:pPr>
+            <a:r>
+              <a:rPr lang="en-US" sz="900" dirty="0">
+                <a:latin typeface="Arial"/>
+                <a:cs typeface="Arial"/>
+              </a:rPr>
+              <a:t>severity: warning</a:t>
+            </a:r>
+          </a:p>
+          <a:p>
+            <a:pPr lvl="1">
+              <a:lnSpc>
+                <a:spcPct val="100000"/>
+              </a:lnSpc>
+              <a:spcBef>
+                <a:spcPts val="0"/>
+              </a:spcBef>
+              <a:buFont typeface="Courier New" panose="02070309020205020404" pitchFamily="49" charset="0"/>
+              <a:buChar char="o"/>
+            </a:pPr>
+            <a:r>
+              <a:rPr lang="en-US" sz="900" dirty="0" err="1">
+                <a:latin typeface="Arial"/>
+                <a:cs typeface="Arial"/>
+              </a:rPr>
+              <a:t>alertname</a:t>
+            </a:r>
+            <a:r>
+              <a:rPr lang="en-US" sz="900" dirty="0">
+                <a:latin typeface="Arial"/>
+                <a:cs typeface="Arial"/>
+              </a:rPr>
+              <a:t>: </a:t>
+            </a:r>
+            <a:r>
+              <a:rPr lang="en-US" sz="900" dirty="0" err="1">
+                <a:latin typeface="Arial"/>
+                <a:cs typeface="Arial"/>
+              </a:rPr>
+              <a:t>HighPodCPU</a:t>
+            </a:r>
+            <a:endParaRPr lang="en-US" sz="900" dirty="0">
+              <a:latin typeface="Arial"/>
+              <a:cs typeface="Arial"/>
+            </a:endParaRPr>
+          </a:p>
+          <a:p>
+            <a:r>
+              <a:rPr lang="en-US" sz="900" dirty="0">
+                <a:latin typeface="Arial"/>
+                <a:cs typeface="Arial"/>
+              </a:rPr>
+              <a:t>Section 5: Annotations</a:t>
+            </a:r>
+          </a:p>
+          <a:p>
+            <a:pPr lvl="1">
+              <a:lnSpc>
+                <a:spcPct val="100000"/>
+              </a:lnSpc>
+              <a:spcBef>
+                <a:spcPts val="0"/>
+              </a:spcBef>
+              <a:buFont typeface="Courier New" panose="02070309020205020404" pitchFamily="49" charset="0"/>
+              <a:buChar char="o"/>
+            </a:pPr>
+            <a:r>
+              <a:rPr lang="en-US" sz="900" dirty="0">
+                <a:latin typeface="Arial"/>
+                <a:cs typeface="Arial"/>
+              </a:rPr>
+              <a:t>summary: High CPU on pod {{ $</a:t>
+            </a:r>
+            <a:r>
+              <a:rPr lang="en-US" sz="900" dirty="0" err="1">
+                <a:latin typeface="Arial"/>
+                <a:cs typeface="Arial"/>
+              </a:rPr>
+              <a:t>labels.pod</a:t>
+            </a:r>
+            <a:r>
+              <a:rPr lang="en-US" sz="900" dirty="0">
+                <a:latin typeface="Arial"/>
+                <a:cs typeface="Arial"/>
+              </a:rPr>
+              <a:t> }}</a:t>
+            </a:r>
+          </a:p>
+          <a:p>
+            <a:pPr lvl="1">
+              <a:lnSpc>
+                <a:spcPct val="100000"/>
+              </a:lnSpc>
+              <a:spcBef>
+                <a:spcPts val="0"/>
+              </a:spcBef>
+              <a:buFont typeface="Courier New" panose="02070309020205020404" pitchFamily="49" charset="0"/>
+              <a:buChar char="o"/>
+            </a:pPr>
+            <a:r>
+              <a:rPr lang="en-US" sz="900" dirty="0">
+                <a:latin typeface="Arial"/>
+                <a:cs typeface="Arial"/>
+              </a:rPr>
+              <a:t>description: Pod {{ $</a:t>
+            </a:r>
+            <a:r>
+              <a:rPr lang="en-US" sz="900" dirty="0" err="1">
+                <a:latin typeface="Arial"/>
+                <a:cs typeface="Arial"/>
+              </a:rPr>
+              <a:t>labels.pod</a:t>
+            </a:r>
+            <a:r>
+              <a:rPr lang="en-US" sz="900" dirty="0">
+                <a:latin typeface="Arial"/>
+                <a:cs typeface="Arial"/>
+              </a:rPr>
+              <a:t> }} in namespace {{ $</a:t>
+            </a:r>
+            <a:r>
+              <a:rPr lang="en-US" sz="900" dirty="0" err="1">
+                <a:latin typeface="Arial"/>
+                <a:cs typeface="Arial"/>
+              </a:rPr>
+              <a:t>labels.namespace</a:t>
+            </a:r>
+            <a:r>
+              <a:rPr lang="en-US" sz="900" dirty="0">
+                <a:latin typeface="Arial"/>
+                <a:cs typeface="Arial"/>
+              </a:rPr>
+              <a:t> }} CPU usage is </a:t>
+            </a:r>
+            <a:r>
+              <a:rPr lang="en-US" sz="900">
+                <a:latin typeface="Arial"/>
+                <a:cs typeface="Arial"/>
+              </a:rPr>
+              <a:t>above threshold</a:t>
+            </a:r>
+          </a:p>
+          <a:p>
+            <a:pPr lvl="1">
+              <a:lnSpc>
+                <a:spcPct val="100000"/>
+              </a:lnSpc>
+              <a:spcBef>
+                <a:spcPts val="0"/>
+              </a:spcBef>
+              <a:buFont typeface="Courier New" panose="02070309020205020404" pitchFamily="49" charset="0"/>
+              <a:buChar char="o"/>
+            </a:pPr>
+            <a:r>
+              <a:rPr lang="en-US" sz="900">
+                <a:latin typeface="Arial"/>
+                <a:cs typeface="Arial"/>
+              </a:rPr>
+              <a:t>Click </a:t>
+            </a:r>
+            <a:r>
+              <a:rPr lang="en-US" sz="900" dirty="0">
+                <a:latin typeface="Arial"/>
+                <a:cs typeface="Arial"/>
+              </a:rPr>
+              <a:t>"Save rule and exit"</a:t>
+            </a:r>
+            <a:endParaRPr lang="en-US" sz="1000" dirty="0">
+              <a:latin typeface="Arial"/>
+              <a:cs typeface="Arial"/>
+            </a:endParaRPr>
+          </a:p>
+        </p:txBody>
+      </p:sp>
+    </p:spTree>
+    <p:extLst>
+      <p:ext uri="{BB962C8B-B14F-4D97-AF65-F5344CB8AC3E}">
+        <p14:creationId xmlns:p14="http://schemas.microsoft.com/office/powerpoint/2010/main" val="1395243992"/>
+      </p:ext>
+    </p:extLst>
+  </p:cSld>
+  <p:clrMapOvr>
+    <a:masterClrMapping/>
+  </p:clrMapOvr>
+</p:sld>
+</file>
+
 <file path=ppt/slides/slide2.xml><?xml version="1.0" encoding="utf-8"?>
 <p:sld xmlns:a="http://schemas.openxmlformats.org/drawingml/2006/main" xmlns:r="http://schemas.openxmlformats.org/officeDocument/2006/relationships" xmlns:p="http://schemas.openxmlformats.org/presentationml/2006/main">
   <p:cSld>
@@ -9088,7 +10263,7 @@
               <a:rPr lang="en-US" sz="1200" dirty="0">
                 <a:latin typeface="+mj-lt"/>
               </a:rPr>
-              <a:t>Exporter: A tiny helper that gives Prometheus the app's data in the format it understands.</a:t>
+              <a:t>Exporter: A tiny helper that gives Prometheus the app’s / system’s data in the format it understands.</a:t>
             </a:r>
           </a:p>
           <a:p>
